--- a/Cleansing/Project1/Sports Betting (3).pptx
+++ b/Cleansing/Project1/Sports Betting (3).pptx
@@ -6090,8 +6090,13 @@
           <a:p>
             <a:r>
               <a:rPr lang="en-CA" dirty="0"/>
-              <a:t>We know that home teams have an advantage, and we also know the effect of bookie confidence. </a:t>
-            </a:r>
+              <a:t>We know that home teams have an advantage, and we also know that </a:t>
+            </a:r>
+            <a:r>
+              <a:rPr lang="en-CA"/>
+              <a:t>bookie confidence fluctuates. </a:t>
+            </a:r>
+            <a:endParaRPr lang="en-CA" dirty="0"/>
           </a:p>
           <a:p>
             <a:r>
